--- a/notebooks/slides/images/graphics.pptx
+++ b/notebooks/slides/images/graphics.pptx
@@ -6,10 +6,11 @@
   </p:sldMasterIdLst>
   <p:sldIdLst>
     <p:sldId id="260" r:id="rId2"/>
-    <p:sldId id="256" r:id="rId3"/>
-    <p:sldId id="257" r:id="rId4"/>
-    <p:sldId id="258" r:id="rId5"/>
-    <p:sldId id="259" r:id="rId6"/>
+    <p:sldId id="261" r:id="rId3"/>
+    <p:sldId id="256" r:id="rId4"/>
+    <p:sldId id="257" r:id="rId5"/>
+    <p:sldId id="258" r:id="rId6"/>
+    <p:sldId id="259" r:id="rId7"/>
   </p:sldIdLst>
   <p:sldSz cx="12192000" cy="6858000"/>
   <p:notesSz cx="6858000" cy="9144000"/>
@@ -265,7 +266,7 @@
           <a:p>
             <a:fld id="{95FFB93D-DBB6-4626-8770-6183B8221187}" type="datetimeFigureOut">
               <a:rPr lang="de-CH" smtClean="0"/>
-              <a:t>22.11.2019</a:t>
+              <a:t>05.12.2019</a:t>
             </a:fld>
             <a:endParaRPr lang="de-CH"/>
           </a:p>
@@ -465,7 +466,7 @@
           <a:p>
             <a:fld id="{95FFB93D-DBB6-4626-8770-6183B8221187}" type="datetimeFigureOut">
               <a:rPr lang="de-CH" smtClean="0"/>
-              <a:t>22.11.2019</a:t>
+              <a:t>05.12.2019</a:t>
             </a:fld>
             <a:endParaRPr lang="de-CH"/>
           </a:p>
@@ -675,7 +676,7 @@
           <a:p>
             <a:fld id="{95FFB93D-DBB6-4626-8770-6183B8221187}" type="datetimeFigureOut">
               <a:rPr lang="de-CH" smtClean="0"/>
-              <a:t>22.11.2019</a:t>
+              <a:t>05.12.2019</a:t>
             </a:fld>
             <a:endParaRPr lang="de-CH"/>
           </a:p>
@@ -875,7 +876,7 @@
           <a:p>
             <a:fld id="{95FFB93D-DBB6-4626-8770-6183B8221187}" type="datetimeFigureOut">
               <a:rPr lang="de-CH" smtClean="0"/>
-              <a:t>22.11.2019</a:t>
+              <a:t>05.12.2019</a:t>
             </a:fld>
             <a:endParaRPr lang="de-CH"/>
           </a:p>
@@ -1151,7 +1152,7 @@
           <a:p>
             <a:fld id="{95FFB93D-DBB6-4626-8770-6183B8221187}" type="datetimeFigureOut">
               <a:rPr lang="de-CH" smtClean="0"/>
-              <a:t>22.11.2019</a:t>
+              <a:t>05.12.2019</a:t>
             </a:fld>
             <a:endParaRPr lang="de-CH"/>
           </a:p>
@@ -1419,7 +1420,7 @@
           <a:p>
             <a:fld id="{95FFB93D-DBB6-4626-8770-6183B8221187}" type="datetimeFigureOut">
               <a:rPr lang="de-CH" smtClean="0"/>
-              <a:t>22.11.2019</a:t>
+              <a:t>05.12.2019</a:t>
             </a:fld>
             <a:endParaRPr lang="de-CH"/>
           </a:p>
@@ -1834,7 +1835,7 @@
           <a:p>
             <a:fld id="{95FFB93D-DBB6-4626-8770-6183B8221187}" type="datetimeFigureOut">
               <a:rPr lang="de-CH" smtClean="0"/>
-              <a:t>22.11.2019</a:t>
+              <a:t>05.12.2019</a:t>
             </a:fld>
             <a:endParaRPr lang="de-CH"/>
           </a:p>
@@ -1976,7 +1977,7 @@
           <a:p>
             <a:fld id="{95FFB93D-DBB6-4626-8770-6183B8221187}" type="datetimeFigureOut">
               <a:rPr lang="de-CH" smtClean="0"/>
-              <a:t>22.11.2019</a:t>
+              <a:t>05.12.2019</a:t>
             </a:fld>
             <a:endParaRPr lang="de-CH"/>
           </a:p>
@@ -2089,7 +2090,7 @@
           <a:p>
             <a:fld id="{95FFB93D-DBB6-4626-8770-6183B8221187}" type="datetimeFigureOut">
               <a:rPr lang="de-CH" smtClean="0"/>
-              <a:t>22.11.2019</a:t>
+              <a:t>05.12.2019</a:t>
             </a:fld>
             <a:endParaRPr lang="de-CH"/>
           </a:p>
@@ -2402,7 +2403,7 @@
           <a:p>
             <a:fld id="{95FFB93D-DBB6-4626-8770-6183B8221187}" type="datetimeFigureOut">
               <a:rPr lang="de-CH" smtClean="0"/>
-              <a:t>22.11.2019</a:t>
+              <a:t>05.12.2019</a:t>
             </a:fld>
             <a:endParaRPr lang="de-CH"/>
           </a:p>
@@ -2691,7 +2692,7 @@
           <a:p>
             <a:fld id="{95FFB93D-DBB6-4626-8770-6183B8221187}" type="datetimeFigureOut">
               <a:rPr lang="de-CH" smtClean="0"/>
-              <a:t>22.11.2019</a:t>
+              <a:t>05.12.2019</a:t>
             </a:fld>
             <a:endParaRPr lang="de-CH"/>
           </a:p>
@@ -2934,7 +2935,7 @@
           <a:p>
             <a:fld id="{95FFB93D-DBB6-4626-8770-6183B8221187}" type="datetimeFigureOut">
               <a:rPr lang="de-CH" smtClean="0"/>
-              <a:t>22.11.2019</a:t>
+              <a:t>05.12.2019</a:t>
             </a:fld>
             <a:endParaRPr lang="de-CH"/>
           </a:p>
@@ -3503,6 +3504,433 @@
 </file>
 
 <file path=ppt/slides/slide2.xml><?xml version="1.0" encoding="utf-8"?>
+<p:sld xmlns:a="http://schemas.openxmlformats.org/drawingml/2006/main" xmlns:r="http://schemas.openxmlformats.org/officeDocument/2006/relationships" xmlns:p="http://schemas.openxmlformats.org/presentationml/2006/main">
+  <p:cSld>
+    <p:spTree>
+      <p:nvGrpSpPr>
+        <p:cNvPr id="1" name=""/>
+        <p:cNvGrpSpPr/>
+        <p:nvPr/>
+      </p:nvGrpSpPr>
+      <p:grpSpPr>
+        <a:xfrm>
+          <a:off x="0" y="0"/>
+          <a:ext cx="0" cy="0"/>
+          <a:chOff x="0" y="0"/>
+          <a:chExt cx="0" cy="0"/>
+        </a:xfrm>
+      </p:grpSpPr>
+      <p:sp>
+        <p:nvSpPr>
+          <p:cNvPr id="2" name="Rectangle 1">
+            <a:extLst>
+              <a:ext uri="{FF2B5EF4-FFF2-40B4-BE49-F238E27FC236}">
+                <a16:creationId xmlns:a16="http://schemas.microsoft.com/office/drawing/2014/main" id="{1FA66560-DEC6-4B6D-AD84-C9E8F6931D05}"/>
+              </a:ext>
+            </a:extLst>
+          </p:cNvPr>
+          <p:cNvSpPr/>
+          <p:nvPr/>
+        </p:nvSpPr>
+        <p:spPr>
+          <a:xfrm>
+            <a:off x="3771899" y="1338943"/>
+            <a:ext cx="2253343" cy="957943"/>
+          </a:xfrm>
+          <a:prstGeom prst="rect">
+            <a:avLst/>
+          </a:prstGeom>
+        </p:spPr>
+        <p:style>
+          <a:lnRef idx="2">
+            <a:schemeClr val="dk1"/>
+          </a:lnRef>
+          <a:fillRef idx="1">
+            <a:schemeClr val="lt1"/>
+          </a:fillRef>
+          <a:effectRef idx="0">
+            <a:schemeClr val="dk1"/>
+          </a:effectRef>
+          <a:fontRef idx="minor">
+            <a:schemeClr val="dk1"/>
+          </a:fontRef>
+        </p:style>
+        <p:txBody>
+          <a:bodyPr rtlCol="0" anchor="ctr"/>
+          <a:lstStyle/>
+          <a:p>
+            <a:pPr algn="ctr"/>
+            <a:r>
+              <a:rPr lang="en-CH" dirty="0"/>
+              <a:t>C</a:t>
+            </a:r>
+            <a:r>
+              <a:rPr lang="de-CH" dirty="0"/>
+              <a:t>a</a:t>
+            </a:r>
+            <a:r>
+              <a:rPr lang="en-CH" dirty="0"/>
+              <a:t>n</a:t>
+            </a:r>
+            <a:r>
+              <a:rPr lang="de-CH" dirty="0"/>
+              <a:t>C</a:t>
+            </a:r>
+            <a:r>
+              <a:rPr lang="en-CH" dirty="0"/>
+              <a:t>o</a:t>
+            </a:r>
+            <a:r>
+              <a:rPr lang="de-CH" dirty="0"/>
+              <a:t>m</a:t>
+            </a:r>
+            <a:r>
+              <a:rPr lang="en-CH" dirty="0"/>
+              <a:t>p</a:t>
+            </a:r>
+            <a:r>
+              <a:rPr lang="de-CH" dirty="0"/>
+              <a:t>a</a:t>
+            </a:r>
+            <a:r>
+              <a:rPr lang="en-CH" dirty="0"/>
+              <a:t>r</a:t>
+            </a:r>
+            <a:r>
+              <a:rPr lang="de-CH" dirty="0"/>
+              <a:t>e</a:t>
+            </a:r>
+          </a:p>
+        </p:txBody>
+      </p:sp>
+      <p:sp>
+        <p:nvSpPr>
+          <p:cNvPr id="3" name="Rectangle 2">
+            <a:extLst>
+              <a:ext uri="{FF2B5EF4-FFF2-40B4-BE49-F238E27FC236}">
+                <a16:creationId xmlns:a16="http://schemas.microsoft.com/office/drawing/2014/main" id="{934AB879-40B1-4977-B424-12C81AA57C95}"/>
+              </a:ext>
+            </a:extLst>
+          </p:cNvPr>
+          <p:cNvSpPr/>
+          <p:nvPr/>
+        </p:nvSpPr>
+        <p:spPr>
+          <a:xfrm>
+            <a:off x="794656" y="3624941"/>
+            <a:ext cx="2253343" cy="957943"/>
+          </a:xfrm>
+          <a:prstGeom prst="rect">
+            <a:avLst/>
+          </a:prstGeom>
+        </p:spPr>
+        <p:style>
+          <a:lnRef idx="2">
+            <a:schemeClr val="dk1"/>
+          </a:lnRef>
+          <a:fillRef idx="1">
+            <a:schemeClr val="lt1"/>
+          </a:fillRef>
+          <a:effectRef idx="0">
+            <a:schemeClr val="dk1"/>
+          </a:effectRef>
+          <a:fontRef idx="minor">
+            <a:schemeClr val="dk1"/>
+          </a:fontRef>
+        </p:style>
+        <p:txBody>
+          <a:bodyPr rtlCol="0" anchor="ctr"/>
+          <a:lstStyle/>
+          <a:p>
+            <a:pPr algn="ctr"/>
+            <a:r>
+              <a:rPr lang="en-CH" dirty="0"/>
+              <a:t>Tuple</a:t>
+            </a:r>
+            <a:endParaRPr lang="de-CH" dirty="0"/>
+          </a:p>
+        </p:txBody>
+      </p:sp>
+      <p:sp>
+        <p:nvSpPr>
+          <p:cNvPr id="4" name="Rectangle 3">
+            <a:extLst>
+              <a:ext uri="{FF2B5EF4-FFF2-40B4-BE49-F238E27FC236}">
+                <a16:creationId xmlns:a16="http://schemas.microsoft.com/office/drawing/2014/main" id="{2D48B6A2-E0BB-4F51-8A09-166ECAAE18CC}"/>
+              </a:ext>
+            </a:extLst>
+          </p:cNvPr>
+          <p:cNvSpPr/>
+          <p:nvPr/>
+        </p:nvSpPr>
+        <p:spPr>
+          <a:xfrm>
+            <a:off x="3771899" y="3624942"/>
+            <a:ext cx="2253343" cy="957943"/>
+          </a:xfrm>
+          <a:prstGeom prst="rect">
+            <a:avLst/>
+          </a:prstGeom>
+        </p:spPr>
+        <p:style>
+          <a:lnRef idx="2">
+            <a:schemeClr val="dk1"/>
+          </a:lnRef>
+          <a:fillRef idx="1">
+            <a:schemeClr val="lt1"/>
+          </a:fillRef>
+          <a:effectRef idx="0">
+            <a:schemeClr val="dk1"/>
+          </a:effectRef>
+          <a:fontRef idx="minor">
+            <a:schemeClr val="dk1"/>
+          </a:fontRef>
+        </p:style>
+        <p:txBody>
+          <a:bodyPr rtlCol="0" anchor="ctr"/>
+          <a:lstStyle/>
+          <a:p>
+            <a:pPr algn="ctr"/>
+            <a:r>
+              <a:rPr lang="de-CH" dirty="0"/>
+              <a:t>I</a:t>
+            </a:r>
+            <a:r>
+              <a:rPr lang="en-CH" dirty="0"/>
+              <a:t>n</a:t>
+            </a:r>
+            <a:r>
+              <a:rPr lang="de-CH" dirty="0"/>
+              <a:t>t</a:t>
+            </a:r>
+            <a:r>
+              <a:rPr lang="en-CH" dirty="0"/>
+              <a:t>e</a:t>
+            </a:r>
+            <a:r>
+              <a:rPr lang="de-CH" dirty="0"/>
+              <a:t>g</a:t>
+            </a:r>
+            <a:r>
+              <a:rPr lang="en-CH" dirty="0"/>
+              <a:t>e</a:t>
+            </a:r>
+            <a:r>
+              <a:rPr lang="de-CH" dirty="0"/>
+              <a:t>r</a:t>
+            </a:r>
+          </a:p>
+        </p:txBody>
+      </p:sp>
+      <p:sp>
+        <p:nvSpPr>
+          <p:cNvPr id="5" name="Rectangle 4">
+            <a:extLst>
+              <a:ext uri="{FF2B5EF4-FFF2-40B4-BE49-F238E27FC236}">
+                <a16:creationId xmlns:a16="http://schemas.microsoft.com/office/drawing/2014/main" id="{5DF74DE4-EA2E-43D8-A110-95FDCB1955B0}"/>
+              </a:ext>
+            </a:extLst>
+          </p:cNvPr>
+          <p:cNvSpPr/>
+          <p:nvPr/>
+        </p:nvSpPr>
+        <p:spPr>
+          <a:xfrm>
+            <a:off x="6662056" y="3624941"/>
+            <a:ext cx="2253343" cy="957943"/>
+          </a:xfrm>
+          <a:prstGeom prst="rect">
+            <a:avLst/>
+          </a:prstGeom>
+        </p:spPr>
+        <p:style>
+          <a:lnRef idx="2">
+            <a:schemeClr val="dk1"/>
+          </a:lnRef>
+          <a:fillRef idx="1">
+            <a:schemeClr val="lt1"/>
+          </a:fillRef>
+          <a:effectRef idx="0">
+            <a:schemeClr val="dk1"/>
+          </a:effectRef>
+          <a:fontRef idx="minor">
+            <a:schemeClr val="dk1"/>
+          </a:fontRef>
+        </p:style>
+        <p:txBody>
+          <a:bodyPr rtlCol="0" anchor="ctr"/>
+          <a:lstStyle/>
+          <a:p>
+            <a:pPr algn="ctr"/>
+            <a:r>
+              <a:rPr lang="de-CH" dirty="0"/>
+              <a:t>S</a:t>
+            </a:r>
+            <a:r>
+              <a:rPr lang="en-CH" dirty="0"/>
+              <a:t>t</a:t>
+            </a:r>
+            <a:r>
+              <a:rPr lang="de-CH" dirty="0"/>
+              <a:t>r</a:t>
+            </a:r>
+            <a:r>
+              <a:rPr lang="en-CH" dirty="0" err="1"/>
+              <a:t>i</a:t>
+            </a:r>
+            <a:r>
+              <a:rPr lang="de-CH" dirty="0"/>
+              <a:t>n</a:t>
+            </a:r>
+            <a:r>
+              <a:rPr lang="en-CH" dirty="0"/>
+              <a:t>g</a:t>
+            </a:r>
+            <a:endParaRPr lang="de-CH" dirty="0"/>
+          </a:p>
+        </p:txBody>
+      </p:sp>
+      <p:cxnSp>
+        <p:nvCxnSpPr>
+          <p:cNvPr id="7" name="Straight Arrow Connector 6">
+            <a:extLst>
+              <a:ext uri="{FF2B5EF4-FFF2-40B4-BE49-F238E27FC236}">
+                <a16:creationId xmlns:a16="http://schemas.microsoft.com/office/drawing/2014/main" id="{CE839576-68DD-4ADC-9D57-326B4137FA37}"/>
+              </a:ext>
+            </a:extLst>
+          </p:cNvPr>
+          <p:cNvCxnSpPr>
+            <a:stCxn id="3" idx="0"/>
+            <a:endCxn id="2" idx="2"/>
+          </p:cNvCxnSpPr>
+          <p:nvPr/>
+        </p:nvCxnSpPr>
+        <p:spPr>
+          <a:xfrm flipV="1">
+            <a:off x="1921328" y="2296886"/>
+            <a:ext cx="2977243" cy="1328055"/>
+          </a:xfrm>
+          <a:prstGeom prst="straightConnector1">
+            <a:avLst/>
+          </a:prstGeom>
+          <a:ln>
+            <a:tailEnd type="triangle"/>
+          </a:ln>
+        </p:spPr>
+        <p:style>
+          <a:lnRef idx="1">
+            <a:schemeClr val="dk1"/>
+          </a:lnRef>
+          <a:fillRef idx="0">
+            <a:schemeClr val="dk1"/>
+          </a:fillRef>
+          <a:effectRef idx="0">
+            <a:schemeClr val="dk1"/>
+          </a:effectRef>
+          <a:fontRef idx="minor">
+            <a:schemeClr val="tx1"/>
+          </a:fontRef>
+        </p:style>
+      </p:cxnSp>
+      <p:cxnSp>
+        <p:nvCxnSpPr>
+          <p:cNvPr id="9" name="Straight Arrow Connector 8">
+            <a:extLst>
+              <a:ext uri="{FF2B5EF4-FFF2-40B4-BE49-F238E27FC236}">
+                <a16:creationId xmlns:a16="http://schemas.microsoft.com/office/drawing/2014/main" id="{139BC2C7-3972-48FC-919F-229C1061FD76}"/>
+              </a:ext>
+            </a:extLst>
+          </p:cNvPr>
+          <p:cNvCxnSpPr>
+            <a:stCxn id="4" idx="0"/>
+            <a:endCxn id="2" idx="2"/>
+          </p:cNvCxnSpPr>
+          <p:nvPr/>
+        </p:nvCxnSpPr>
+        <p:spPr>
+          <a:xfrm flipV="1">
+            <a:off x="4898571" y="2296886"/>
+            <a:ext cx="0" cy="1328056"/>
+          </a:xfrm>
+          <a:prstGeom prst="straightConnector1">
+            <a:avLst/>
+          </a:prstGeom>
+          <a:ln>
+            <a:headEnd w="lg" len="lg"/>
+            <a:tailEnd type="triangle"/>
+          </a:ln>
+        </p:spPr>
+        <p:style>
+          <a:lnRef idx="1">
+            <a:schemeClr val="dk1"/>
+          </a:lnRef>
+          <a:fillRef idx="0">
+            <a:schemeClr val="dk1"/>
+          </a:fillRef>
+          <a:effectRef idx="0">
+            <a:schemeClr val="dk1"/>
+          </a:effectRef>
+          <a:fontRef idx="minor">
+            <a:schemeClr val="tx1"/>
+          </a:fontRef>
+        </p:style>
+      </p:cxnSp>
+      <p:cxnSp>
+        <p:nvCxnSpPr>
+          <p:cNvPr id="13" name="Straight Arrow Connector 12">
+            <a:extLst>
+              <a:ext uri="{FF2B5EF4-FFF2-40B4-BE49-F238E27FC236}">
+                <a16:creationId xmlns:a16="http://schemas.microsoft.com/office/drawing/2014/main" id="{61D5F375-E906-4E67-9B70-07D91C97D0F7}"/>
+              </a:ext>
+            </a:extLst>
+          </p:cNvPr>
+          <p:cNvCxnSpPr>
+            <a:stCxn id="5" idx="0"/>
+            <a:endCxn id="2" idx="2"/>
+          </p:cNvCxnSpPr>
+          <p:nvPr/>
+        </p:nvCxnSpPr>
+        <p:spPr>
+          <a:xfrm flipH="1" flipV="1">
+            <a:off x="4898571" y="2296886"/>
+            <a:ext cx="2890157" cy="1328055"/>
+          </a:xfrm>
+          <a:prstGeom prst="straightConnector1">
+            <a:avLst/>
+          </a:prstGeom>
+          <a:ln>
+            <a:tailEnd type="triangle"/>
+          </a:ln>
+        </p:spPr>
+        <p:style>
+          <a:lnRef idx="1">
+            <a:schemeClr val="dk1"/>
+          </a:lnRef>
+          <a:fillRef idx="0">
+            <a:schemeClr val="dk1"/>
+          </a:fillRef>
+          <a:effectRef idx="0">
+            <a:schemeClr val="dk1"/>
+          </a:effectRef>
+          <a:fontRef idx="minor">
+            <a:schemeClr val="tx1"/>
+          </a:fontRef>
+        </p:style>
+      </p:cxnSp>
+    </p:spTree>
+    <p:extLst>
+      <p:ext uri="{BB962C8B-B14F-4D97-AF65-F5344CB8AC3E}">
+        <p14:creationId xmlns:p14="http://schemas.microsoft.com/office/powerpoint/2010/main" val="1667685656"/>
+      </p:ext>
+    </p:extLst>
+  </p:cSld>
+  <p:clrMapOvr>
+    <a:masterClrMapping/>
+  </p:clrMapOvr>
+</p:sld>
+</file>
+
+<file path=ppt/slides/slide3.xml><?xml version="1.0" encoding="utf-8"?>
 <p:sld xmlns:a="http://schemas.openxmlformats.org/drawingml/2006/main" xmlns:r="http://schemas.openxmlformats.org/officeDocument/2006/relationships" xmlns:p="http://schemas.openxmlformats.org/presentationml/2006/main">
   <p:cSld>
     <p:spTree>
@@ -3943,7 +4371,7 @@
 </p:sld>
 </file>
 
-<file path=ppt/slides/slide3.xml><?xml version="1.0" encoding="utf-8"?>
+<file path=ppt/slides/slide4.xml><?xml version="1.0" encoding="utf-8"?>
 <p:sld xmlns:a="http://schemas.openxmlformats.org/drawingml/2006/main" xmlns:r="http://schemas.openxmlformats.org/officeDocument/2006/relationships" xmlns:p="http://schemas.openxmlformats.org/presentationml/2006/main">
   <p:cSld>
     <p:spTree>
@@ -4577,7 +5005,7 @@
 </p:sld>
 </file>
 
-<file path=ppt/slides/slide4.xml><?xml version="1.0" encoding="utf-8"?>
+<file path=ppt/slides/slide5.xml><?xml version="1.0" encoding="utf-8"?>
 <p:sld xmlns:a="http://schemas.openxmlformats.org/drawingml/2006/main" xmlns:r="http://schemas.openxmlformats.org/officeDocument/2006/relationships" xmlns:p="http://schemas.openxmlformats.org/presentationml/2006/main">
   <p:cSld>
     <p:spTree>
@@ -5957,7 +6385,7 @@
 </p:sld>
 </file>
 
-<file path=ppt/slides/slide5.xml><?xml version="1.0" encoding="utf-8"?>
+<file path=ppt/slides/slide6.xml><?xml version="1.0" encoding="utf-8"?>
 <p:sld xmlns:a="http://schemas.openxmlformats.org/drawingml/2006/main" xmlns:r="http://schemas.openxmlformats.org/officeDocument/2006/relationships" xmlns:p="http://schemas.openxmlformats.org/presentationml/2006/main">
   <p:cSld>
     <p:spTree>
